--- a/Проект «CosmoRangers».pptx
+++ b/Проект «CosmoRangers».pptx
@@ -5891,9 +5891,26 @@
           <a:lstStyle/>
           <a:p>
             <a:r>
-              <a:rPr lang="en-US" dirty="0" smtClean="0"/>
-              <a:t>Created by FastestDan and Valera</a:t>
-            </a:r>
+              <a:rPr lang="ru-RU" dirty="0" smtClean="0"/>
+              <a:t>Создано Скоробогатовым </a:t>
+            </a:r>
+            <a:r>
+              <a:rPr lang="ru-RU" dirty="0" err="1" smtClean="0"/>
+              <a:t>Данилом</a:t>
+            </a:r>
+            <a:r>
+              <a:rPr lang="ru-RU" dirty="0" smtClean="0"/>
+              <a:t> и </a:t>
+            </a:r>
+            <a:r>
+              <a:rPr lang="ru-RU" dirty="0" err="1" smtClean="0"/>
+              <a:t>Пономарёвым</a:t>
+            </a:r>
+            <a:r>
+              <a:rPr lang="ru-RU" dirty="0" smtClean="0"/>
+              <a:t> Артёмом</a:t>
+            </a:r>
+            <a:endParaRPr lang="en-US" dirty="0" smtClean="0"/>
           </a:p>
           <a:p>
             <a:r>
@@ -5913,6 +5930,13 @@
   <p:clrMapOvr>
     <a:masterClrMapping/>
   </p:clrMapOvr>
+  <p:timing>
+    <p:tnLst>
+      <p:par>
+        <p:cTn id="1" dur="indefinite" restart="never" nodeType="tmRoot"/>
+      </p:par>
+    </p:tnLst>
+  </p:timing>
 </p:sld>
 </file>
 
@@ -6229,15 +6253,7 @@
             <a:pPr algn="ctr"/>
             <a:r>
               <a:rPr lang="ru-RU" sz="2000" dirty="0" smtClean="0"/>
-              <a:t>Часть проекта от </a:t>
-            </a:r>
-            <a:r>
-              <a:rPr lang="en-US" sz="2000" dirty="0" smtClean="0"/>
-              <a:t>FastestDan</a:t>
-            </a:r>
-            <a:r>
-              <a:rPr lang="ru-RU" sz="2000" dirty="0" smtClean="0"/>
-              <a:t>:</a:t>
+              <a:t>Часть проекта от Данила:</a:t>
             </a:r>
             <a:endParaRPr lang="ru-RU" sz="2000" dirty="0"/>
           </a:p>
@@ -6251,8 +6267,8 @@
         </p:nvSpPr>
         <p:spPr>
           <a:xfrm>
-            <a:off x="8049081" y="1865812"/>
-            <a:ext cx="2768145" cy="400110"/>
+            <a:off x="7960612" y="1865812"/>
+            <a:ext cx="2959344" cy="400110"/>
           </a:xfrm>
           <a:prstGeom prst="rect">
             <a:avLst/>
@@ -6268,15 +6284,7 @@
             <a:pPr algn="ctr"/>
             <a:r>
               <a:rPr lang="ru-RU" sz="2000" dirty="0" smtClean="0"/>
-              <a:t>Часть проекта от </a:t>
-            </a:r>
-            <a:r>
-              <a:rPr lang="en-US" sz="2000" dirty="0" smtClean="0"/>
-              <a:t>Valera</a:t>
-            </a:r>
-            <a:r>
-              <a:rPr lang="ru-RU" sz="2000" dirty="0" smtClean="0"/>
-              <a:t>:</a:t>
+              <a:t>Часть проекта от Артёма:</a:t>
             </a:r>
             <a:endParaRPr lang="ru-RU" sz="2000" dirty="0"/>
           </a:p>
@@ -6921,7 +6929,15 @@
           <a:p>
             <a:r>
               <a:rPr lang="ru-RU" sz="3600" dirty="0"/>
-              <a:t>Все механики, которые я планировал реализовать, были реализованы и перечислены слайдом выше</a:t>
+              <a:t>Все механики, которые </a:t>
+            </a:r>
+            <a:r>
+              <a:rPr lang="ru-RU" sz="3600" dirty="0" smtClean="0"/>
+              <a:t>мы планировали реализовать</a:t>
+            </a:r>
+            <a:r>
+              <a:rPr lang="ru-RU" sz="3600" dirty="0"/>
+              <a:t>, были реализованы и перечислены слайдом выше</a:t>
             </a:r>
             <a:r>
               <a:rPr lang="ru-RU" sz="3600" dirty="0" smtClean="0"/>
